--- a/flask_presentation.pptx
+++ b/flask_presentation.pptx
@@ -120,7 +120,7 @@
 <file path=ppt/revisionInfo.xml><?xml version="1.0" encoding="utf-8"?>
 <p1510:revInfo xmlns:a="http://schemas.openxmlformats.org/drawingml/2006/main" xmlns:r="http://schemas.openxmlformats.org/officeDocument/2006/relationships" xmlns:p1510="http://schemas.microsoft.com/office/powerpoint/2015/10/main">
   <p1510:revLst>
-    <p1510:client id="{13DC369B-E04F-42FE-814C-4449BFCFD3A7}" v="415" dt="2023-04-23T19:10:45.663"/>
+    <p1510:client id="{13DC369B-E04F-42FE-814C-4449BFCFD3A7}" v="425" dt="2023-04-23T19:36:42.090"/>
   </p1510:revLst>
 </p1510:revInfo>
 </file>
@@ -7770,7 +7770,22 @@
           </a:bodyPr>
           <a:lstStyle/>
           <a:p>
-            <a:endParaRPr lang="en-US" sz="5400"/>
+            <a:r>
+              <a:rPr lang="en-US" sz="5400" dirty="0" err="1"/>
+              <a:t>Яндекс</a:t>
+            </a:r>
+            <a:r>
+              <a:rPr lang="en-US" sz="5400" dirty="0"/>
+              <a:t> </a:t>
+            </a:r>
+            <a:r>
+              <a:rPr lang="en-US" sz="5400" dirty="0" err="1"/>
+              <a:t>карты</a:t>
+            </a:r>
+            <a:r>
+              <a:rPr lang="en-US" sz="5400" dirty="0"/>
+              <a:t>!!!!</a:t>
+            </a:r>
           </a:p>
         </p:txBody>
       </p:sp>
